--- a/unit_00/html_review/02 CSS.pptx
+++ b/unit_00/html_review/02 CSS.pptx
@@ -253,7 +253,7 @@
           <a:p>
             <a:fld id="{3F839238-B565-4611-A910-43B731DECEC1}" type="datetimeFigureOut">
               <a:rPr lang="en-US" smtClean="0"/>
-              <a:t>8/19/2020</a:t>
+              <a:t>8/20/2020</a:t>
             </a:fld>
             <a:endParaRPr lang="en-US" dirty="0"/>
           </a:p>
@@ -5174,7 +5174,7 @@
           <a:p>
             <a:fld id="{49F0A7AA-AB30-4D36-B646-A02FA5DCCA55}" type="datetime1">
               <a:rPr lang="en-US" smtClean="0"/>
-              <a:t>8/19/2020</a:t>
+              <a:t>8/20/2020</a:t>
             </a:fld>
             <a:endParaRPr lang="en-US" dirty="0"/>
           </a:p>
@@ -6097,7 +6097,7 @@
           <a:p>
             <a:fld id="{8B88B800-945A-43B0-8EA5-8657D67FD7E1}" type="datetime1">
               <a:rPr lang="en-US" smtClean="0"/>
-              <a:t>8/19/2020</a:t>
+              <a:t>8/20/2020</a:t>
             </a:fld>
             <a:endParaRPr lang="en-US" dirty="0"/>
           </a:p>
@@ -9791,11 +9791,14 @@
           </a:p>
           <a:p>
             <a:r>
-              <a:rPr lang="en-US" sz="1800" dirty="0">
+              <a:rPr lang="en-US" sz="1800">
                 <a:cs typeface="Arial" panose="020B0604020202020204" pitchFamily="34" charset="0"/>
               </a:rPr>
-              <a:t>Use CSS properties to change background and foreground colors</a:t>
-            </a:r>
+              <a:t>Specify color values with CSS</a:t>
+            </a:r>
+            <a:endParaRPr lang="en-US" sz="1800" dirty="0">
+              <a:cs typeface="Arial" panose="020B0604020202020204" pitchFamily="34" charset="0"/>
+            </a:endParaRPr>
           </a:p>
           <a:p>
             <a:r>
@@ -20200,11 +20203,14 @@
           </a:p>
           <a:p>
             <a:r>
-              <a:rPr lang="en-US" sz="1800" dirty="0">
+              <a:rPr lang="en-US" sz="1800">
                 <a:cs typeface="Arial" panose="020B0604020202020204" pitchFamily="34" charset="0"/>
               </a:rPr>
-              <a:t>Use CSS properties to change background and foreground colors</a:t>
-            </a:r>
+              <a:t>Specify color values with CSS</a:t>
+            </a:r>
+            <a:endParaRPr lang="en-US" sz="1800" dirty="0">
+              <a:cs typeface="Arial" panose="020B0604020202020204" pitchFamily="34" charset="0"/>
+            </a:endParaRPr>
           </a:p>
           <a:p>
             <a:r>
@@ -21895,24 +21901,6 @@
 </file>
 
 <file path=customXml/item1.xml><?xml version="1.0" encoding="utf-8"?>
-<p:properties xmlns:p="http://schemas.microsoft.com/office/2006/metadata/properties" xmlns:xsi="http://www.w3.org/2001/XMLSchema-instance" xmlns:pc="http://schemas.microsoft.com/office/infopath/2007/PartnerControls">
-  <documentManagement>
-    <Status xmlns="71af3243-3dd4-4a8d-8c0d-dd76da1f02a5">Not started</Status>
-    <MediaServiceKeyPoints xmlns="71af3243-3dd4-4a8d-8c0d-dd76da1f02a5" xsi:nil="true"/>
-  </documentManagement>
-</p:properties>
-</file>
-
-<file path=customXml/item2.xml><?xml version="1.0" encoding="utf-8"?>
-<?mso-contentType ?>
-<FormTemplates xmlns="http://schemas.microsoft.com/sharepoint/v3/contenttype/forms">
-  <Display>DocumentLibraryForm</Display>
-  <Edit>DocumentLibraryForm</Edit>
-  <New>DocumentLibraryForm</New>
-</FormTemplates>
-</file>
-
-<file path=customXml/item3.xml><?xml version="1.0" encoding="utf-8"?>
 <ct:contentTypeSchema xmlns:ct="http://schemas.microsoft.com/office/2006/metadata/contentType" xmlns:ma="http://schemas.microsoft.com/office/2006/metadata/properties/metaAttributes" ct:_="" ma:_="" ma:contentTypeName="Document" ma:contentTypeID="0x01010079F111ED35F8CC479449609E8A0923A6" ma:contentTypeVersion="12" ma:contentTypeDescription="Create a new document." ma:contentTypeScope="" ma:versionID="a410dd7f93c95333ffa1b60ed6adedd1">
   <xsd:schema xmlns:xsd="http://www.w3.org/2001/XMLSchema" xmlns:xs="http://www.w3.org/2001/XMLSchema" xmlns:p="http://schemas.microsoft.com/office/2006/metadata/properties" xmlns:ns2="71af3243-3dd4-4a8d-8c0d-dd76da1f02a5" xmlns:ns3="16c05727-aa75-4e4a-9b5f-8a80a1165891" targetNamespace="http://schemas.microsoft.com/office/2006/metadata/properties" ma:root="true" ma:fieldsID="a936d9baba76aa3866493feff160faab" ns2:_="" ns3:_="">
     <xsd:import namespace="71af3243-3dd4-4a8d-8c0d-dd76da1f02a5"/>
@@ -22133,7 +22121,44 @@
 </ct:contentTypeSchema>
 </file>
 
+<file path=customXml/item2.xml><?xml version="1.0" encoding="utf-8"?>
+<p:properties xmlns:p="http://schemas.microsoft.com/office/2006/metadata/properties" xmlns:xsi="http://www.w3.org/2001/XMLSchema-instance" xmlns:pc="http://schemas.microsoft.com/office/infopath/2007/PartnerControls">
+  <documentManagement>
+    <Status xmlns="71af3243-3dd4-4a8d-8c0d-dd76da1f02a5">Not started</Status>
+    <MediaServiceKeyPoints xmlns="71af3243-3dd4-4a8d-8c0d-dd76da1f02a5" xsi:nil="true"/>
+  </documentManagement>
+</p:properties>
+</file>
+
+<file path=customXml/item3.xml><?xml version="1.0" encoding="utf-8"?>
+<?mso-contentType ?>
+<FormTemplates xmlns="http://schemas.microsoft.com/sharepoint/v3/contenttype/forms">
+  <Display>DocumentLibraryForm</Display>
+  <Edit>DocumentLibraryForm</Edit>
+  <New>DocumentLibraryForm</New>
+</FormTemplates>
+</file>
+
 <file path=customXml/itemProps1.xml><?xml version="1.0" encoding="utf-8"?>
+<ds:datastoreItem xmlns:ds="http://schemas.openxmlformats.org/officeDocument/2006/customXml" ds:itemID="{2D276E62-80A3-44DD-9BCC-97ED2B99B57F}">
+  <ds:schemaRefs>
+    <ds:schemaRef ds:uri="http://schemas.microsoft.com/office/2006/metadata/contentType"/>
+    <ds:schemaRef ds:uri="http://schemas.microsoft.com/office/2006/metadata/properties/metaAttributes"/>
+    <ds:schemaRef ds:uri="http://www.w3.org/2001/XMLSchema"/>
+    <ds:schemaRef ds:uri="http://schemas.microsoft.com/office/2006/metadata/properties"/>
+    <ds:schemaRef ds:uri="71af3243-3dd4-4a8d-8c0d-dd76da1f02a5"/>
+    <ds:schemaRef ds:uri="16c05727-aa75-4e4a-9b5f-8a80a1165891"/>
+    <ds:schemaRef ds:uri="http://schemas.microsoft.com/office/2006/documentManagement/types"/>
+    <ds:schemaRef ds:uri="http://schemas.microsoft.com/office/infopath/2007/PartnerControls"/>
+    <ds:schemaRef ds:uri="http://schemas.openxmlformats.org/package/2006/metadata/core-properties"/>
+    <ds:schemaRef ds:uri="http://purl.org/dc/elements/1.1/"/>
+    <ds:schemaRef ds:uri="http://purl.org/dc/terms/"/>
+    <ds:schemaRef ds:uri="http://schemas.microsoft.com/internal/obd"/>
+  </ds:schemaRefs>
+</ds:datastoreItem>
+</file>
+
+<file path=customXml/itemProps2.xml><?xml version="1.0" encoding="utf-8"?>
 <ds:datastoreItem xmlns:ds="http://schemas.openxmlformats.org/officeDocument/2006/customXml" ds:itemID="{137651BA-F45C-4845-9AB3-E0A65B39F5E1}">
   <ds:schemaRefs>
     <ds:schemaRef ds:uri="http://schemas.microsoft.com/office/2006/documentManagement/types"/>
@@ -22150,29 +22175,10 @@
 </ds:datastoreItem>
 </file>
 
-<file path=customXml/itemProps2.xml><?xml version="1.0" encoding="utf-8"?>
+<file path=customXml/itemProps3.xml><?xml version="1.0" encoding="utf-8"?>
 <ds:datastoreItem xmlns:ds="http://schemas.openxmlformats.org/officeDocument/2006/customXml" ds:itemID="{CDB58277-F8DF-46FF-84EC-EF41B835E69F}">
   <ds:schemaRefs>
     <ds:schemaRef ds:uri="http://schemas.microsoft.com/sharepoint/v3/contenttype/forms"/>
   </ds:schemaRefs>
 </ds:datastoreItem>
-</file>
-
-<file path=customXml/itemProps3.xml><?xml version="1.0" encoding="utf-8"?>
-<ds:datastoreItem xmlns:ds="http://schemas.openxmlformats.org/officeDocument/2006/customXml" ds:itemID="{2D276E62-80A3-44DD-9BCC-97ED2B99B57F}">
-  <ds:schemaRefs>
-    <ds:schemaRef ds:uri="http://schemas.microsoft.com/office/2006/metadata/contentType"/>
-    <ds:schemaRef ds:uri="http://schemas.microsoft.com/office/2006/metadata/properties/metaAttributes"/>
-    <ds:schemaRef ds:uri="http://www.w3.org/2001/XMLSchema"/>
-    <ds:schemaRef ds:uri="http://schemas.microsoft.com/office/2006/metadata/properties"/>
-    <ds:schemaRef ds:uri="71af3243-3dd4-4a8d-8c0d-dd76da1f02a5"/>
-    <ds:schemaRef ds:uri="16c05727-aa75-4e4a-9b5f-8a80a1165891"/>
-    <ds:schemaRef ds:uri="http://schemas.microsoft.com/office/2006/documentManagement/types"/>
-    <ds:schemaRef ds:uri="http://schemas.microsoft.com/office/infopath/2007/PartnerControls"/>
-    <ds:schemaRef ds:uri="http://schemas.openxmlformats.org/package/2006/metadata/core-properties"/>
-    <ds:schemaRef ds:uri="http://purl.org/dc/elements/1.1/"/>
-    <ds:schemaRef ds:uri="http://purl.org/dc/terms/"/>
-    <ds:schemaRef ds:uri="http://schemas.microsoft.com/internal/obd"/>
-  </ds:schemaRefs>
-</ds:datastoreItem>
 </file>
--- a/unit_00/html_review/02 CSS.pptx
+++ b/unit_00/html_review/02 CSS.pptx
@@ -6725,7 +6725,7 @@
               </a:rPr>
               <a:t>CSS Review</a:t>
             </a:r>
-            <a:endParaRPr lang="en-US" sz="4400" cap="none" dirty="0">
+            <a:endParaRPr lang="en-US" sz="4400" b="1" cap="none" dirty="0">
               <a:solidFill>
                 <a:schemeClr val="tx1"/>
               </a:solidFill>
@@ -21901,6 +21901,15 @@
 </file>
 
 <file path=customXml/item1.xml><?xml version="1.0" encoding="utf-8"?>
+<?mso-contentType ?>
+<FormTemplates xmlns="http://schemas.microsoft.com/sharepoint/v3/contenttype/forms">
+  <Display>DocumentLibraryForm</Display>
+  <Edit>DocumentLibraryForm</Edit>
+  <New>DocumentLibraryForm</New>
+</FormTemplates>
+</file>
+
+<file path=customXml/item2.xml><?xml version="1.0" encoding="utf-8"?>
 <ct:contentTypeSchema xmlns:ct="http://schemas.microsoft.com/office/2006/metadata/contentType" xmlns:ma="http://schemas.microsoft.com/office/2006/metadata/properties/metaAttributes" ct:_="" ma:_="" ma:contentTypeName="Document" ma:contentTypeID="0x01010079F111ED35F8CC479449609E8A0923A6" ma:contentTypeVersion="12" ma:contentTypeDescription="Create a new document." ma:contentTypeScope="" ma:versionID="a410dd7f93c95333ffa1b60ed6adedd1">
   <xsd:schema xmlns:xsd="http://www.w3.org/2001/XMLSchema" xmlns:xs="http://www.w3.org/2001/XMLSchema" xmlns:p="http://schemas.microsoft.com/office/2006/metadata/properties" xmlns:ns2="71af3243-3dd4-4a8d-8c0d-dd76da1f02a5" xmlns:ns3="16c05727-aa75-4e4a-9b5f-8a80a1165891" targetNamespace="http://schemas.microsoft.com/office/2006/metadata/properties" ma:root="true" ma:fieldsID="a936d9baba76aa3866493feff160faab" ns2:_="" ns3:_="">
     <xsd:import namespace="71af3243-3dd4-4a8d-8c0d-dd76da1f02a5"/>
@@ -22121,7 +22130,7 @@
 </ct:contentTypeSchema>
 </file>
 
-<file path=customXml/item2.xml><?xml version="1.0" encoding="utf-8"?>
+<file path=customXml/item3.xml><?xml version="1.0" encoding="utf-8"?>
 <p:properties xmlns:p="http://schemas.microsoft.com/office/2006/metadata/properties" xmlns:xsi="http://www.w3.org/2001/XMLSchema-instance" xmlns:pc="http://schemas.microsoft.com/office/infopath/2007/PartnerControls">
   <documentManagement>
     <Status xmlns="71af3243-3dd4-4a8d-8c0d-dd76da1f02a5">Not started</Status>
@@ -22130,16 +22139,15 @@
 </p:properties>
 </file>
 
-<file path=customXml/item3.xml><?xml version="1.0" encoding="utf-8"?>
-<?mso-contentType ?>
-<FormTemplates xmlns="http://schemas.microsoft.com/sharepoint/v3/contenttype/forms">
-  <Display>DocumentLibraryForm</Display>
-  <Edit>DocumentLibraryForm</Edit>
-  <New>DocumentLibraryForm</New>
-</FormTemplates>
+<file path=customXml/itemProps1.xml><?xml version="1.0" encoding="utf-8"?>
+<ds:datastoreItem xmlns:ds="http://schemas.openxmlformats.org/officeDocument/2006/customXml" ds:itemID="{CDB58277-F8DF-46FF-84EC-EF41B835E69F}">
+  <ds:schemaRefs>
+    <ds:schemaRef ds:uri="http://schemas.microsoft.com/sharepoint/v3/contenttype/forms"/>
+  </ds:schemaRefs>
+</ds:datastoreItem>
 </file>
 
-<file path=customXml/itemProps1.xml><?xml version="1.0" encoding="utf-8"?>
+<file path=customXml/itemProps2.xml><?xml version="1.0" encoding="utf-8"?>
 <ds:datastoreItem xmlns:ds="http://schemas.openxmlformats.org/officeDocument/2006/customXml" ds:itemID="{2D276E62-80A3-44DD-9BCC-97ED2B99B57F}">
   <ds:schemaRefs>
     <ds:schemaRef ds:uri="http://schemas.microsoft.com/office/2006/metadata/contentType"/>
@@ -22158,7 +22166,7 @@
 </ds:datastoreItem>
 </file>
 
-<file path=customXml/itemProps2.xml><?xml version="1.0" encoding="utf-8"?>
+<file path=customXml/itemProps3.xml><?xml version="1.0" encoding="utf-8"?>
 <ds:datastoreItem xmlns:ds="http://schemas.openxmlformats.org/officeDocument/2006/customXml" ds:itemID="{137651BA-F45C-4845-9AB3-E0A65B39F5E1}">
   <ds:schemaRefs>
     <ds:schemaRef ds:uri="http://schemas.microsoft.com/office/2006/documentManagement/types"/>
@@ -22173,12 +22181,4 @@
     <ds:schemaRef ds:uri="http://www.w3.org/XML/1998/namespace"/>
   </ds:schemaRefs>
 </ds:datastoreItem>
-</file>
-
-<file path=customXml/itemProps3.xml><?xml version="1.0" encoding="utf-8"?>
-<ds:datastoreItem xmlns:ds="http://schemas.openxmlformats.org/officeDocument/2006/customXml" ds:itemID="{CDB58277-F8DF-46FF-84EC-EF41B835E69F}">
-  <ds:schemaRefs>
-    <ds:schemaRef ds:uri="http://schemas.microsoft.com/sharepoint/v3/contenttype/forms"/>
-  </ds:schemaRefs>
-</ds:datastoreItem>
 </file>